--- a/work folder/Schémas.pptx
+++ b/work folder/Schémas.pptx
@@ -6,6 +6,7 @@
   </p:sldMasterIdLst>
   <p:sldIdLst>
     <p:sldId id="256" r:id="rId2"/>
+    <p:sldId id="257" r:id="rId3"/>
   </p:sldIdLst>
   <p:sldSz cx="12192000" cy="6858000"/>
   <p:notesSz cx="6858000" cy="9144000"/>
@@ -104,6 +105,11 @@
       </a:defRPr>
     </a:lvl9pPr>
   </p:defaultTextStyle>
+  <p:extLst>
+    <p:ext uri="{EFAFB233-063F-42B5-8137-9DF3F51BA10A}">
+      <p15:sldGuideLst xmlns:p15="http://schemas.microsoft.com/office/powerpoint/2012/main"/>
+    </p:ext>
+  </p:extLst>
 </p:presentation>
 </file>
 
@@ -254,7 +260,7 @@
           <a:p>
             <a:fld id="{6E685D26-AFCE-E74C-8B91-8B944F0163A8}" type="datetimeFigureOut">
               <a:rPr lang="fr-FR" smtClean="0"/>
-              <a:t>28/09/2023</a:t>
+              <a:t>23/11/2023</a:t>
             </a:fld>
             <a:endParaRPr lang="fr-FR"/>
           </a:p>
@@ -452,7 +458,7 @@
           <a:p>
             <a:fld id="{6E685D26-AFCE-E74C-8B91-8B944F0163A8}" type="datetimeFigureOut">
               <a:rPr lang="fr-FR" smtClean="0"/>
-              <a:t>28/09/2023</a:t>
+              <a:t>23/11/2023</a:t>
             </a:fld>
             <a:endParaRPr lang="fr-FR"/>
           </a:p>
@@ -660,7 +666,7 @@
           <a:p>
             <a:fld id="{6E685D26-AFCE-E74C-8B91-8B944F0163A8}" type="datetimeFigureOut">
               <a:rPr lang="fr-FR" smtClean="0"/>
-              <a:t>28/09/2023</a:t>
+              <a:t>23/11/2023</a:t>
             </a:fld>
             <a:endParaRPr lang="fr-FR"/>
           </a:p>
@@ -858,7 +864,7 @@
           <a:p>
             <a:fld id="{6E685D26-AFCE-E74C-8B91-8B944F0163A8}" type="datetimeFigureOut">
               <a:rPr lang="fr-FR" smtClean="0"/>
-              <a:t>28/09/2023</a:t>
+              <a:t>23/11/2023</a:t>
             </a:fld>
             <a:endParaRPr lang="fr-FR"/>
           </a:p>
@@ -1133,7 +1139,7 @@
           <a:p>
             <a:fld id="{6E685D26-AFCE-E74C-8B91-8B944F0163A8}" type="datetimeFigureOut">
               <a:rPr lang="fr-FR" smtClean="0"/>
-              <a:t>28/09/2023</a:t>
+              <a:t>23/11/2023</a:t>
             </a:fld>
             <a:endParaRPr lang="fr-FR"/>
           </a:p>
@@ -1398,7 +1404,7 @@
           <a:p>
             <a:fld id="{6E685D26-AFCE-E74C-8B91-8B944F0163A8}" type="datetimeFigureOut">
               <a:rPr lang="fr-FR" smtClean="0"/>
-              <a:t>28/09/2023</a:t>
+              <a:t>23/11/2023</a:t>
             </a:fld>
             <a:endParaRPr lang="fr-FR"/>
           </a:p>
@@ -1810,7 +1816,7 @@
           <a:p>
             <a:fld id="{6E685D26-AFCE-E74C-8B91-8B944F0163A8}" type="datetimeFigureOut">
               <a:rPr lang="fr-FR" smtClean="0"/>
-              <a:t>28/09/2023</a:t>
+              <a:t>23/11/2023</a:t>
             </a:fld>
             <a:endParaRPr lang="fr-FR"/>
           </a:p>
@@ -1951,7 +1957,7 @@
           <a:p>
             <a:fld id="{6E685D26-AFCE-E74C-8B91-8B944F0163A8}" type="datetimeFigureOut">
               <a:rPr lang="fr-FR" smtClean="0"/>
-              <a:t>28/09/2023</a:t>
+              <a:t>23/11/2023</a:t>
             </a:fld>
             <a:endParaRPr lang="fr-FR"/>
           </a:p>
@@ -2064,7 +2070,7 @@
           <a:p>
             <a:fld id="{6E685D26-AFCE-E74C-8B91-8B944F0163A8}" type="datetimeFigureOut">
               <a:rPr lang="fr-FR" smtClean="0"/>
-              <a:t>28/09/2023</a:t>
+              <a:t>23/11/2023</a:t>
             </a:fld>
             <a:endParaRPr lang="fr-FR"/>
           </a:p>
@@ -2375,7 +2381,7 @@
           <a:p>
             <a:fld id="{6E685D26-AFCE-E74C-8B91-8B944F0163A8}" type="datetimeFigureOut">
               <a:rPr lang="fr-FR" smtClean="0"/>
-              <a:t>28/09/2023</a:t>
+              <a:t>23/11/2023</a:t>
             </a:fld>
             <a:endParaRPr lang="fr-FR"/>
           </a:p>
@@ -2663,7 +2669,7 @@
           <a:p>
             <a:fld id="{6E685D26-AFCE-E74C-8B91-8B944F0163A8}" type="datetimeFigureOut">
               <a:rPr lang="fr-FR" smtClean="0"/>
-              <a:t>28/09/2023</a:t>
+              <a:t>23/11/2023</a:t>
             </a:fld>
             <a:endParaRPr lang="fr-FR"/>
           </a:p>
@@ -2904,7 +2910,7 @@
           <a:p>
             <a:fld id="{6E685D26-AFCE-E74C-8B91-8B944F0163A8}" type="datetimeFigureOut">
               <a:rPr lang="fr-FR" smtClean="0"/>
-              <a:t>28/09/2023</a:t>
+              <a:t>23/11/2023</a:t>
             </a:fld>
             <a:endParaRPr lang="fr-FR"/>
           </a:p>
@@ -3335,7 +3341,7 @@
         </p:nvSpPr>
         <p:spPr>
           <a:xfrm>
-            <a:off x="2784086" y="2821258"/>
+            <a:off x="2754725" y="3878270"/>
             <a:ext cx="1215483" cy="1215483"/>
           </a:xfrm>
           <a:prstGeom prst="rect">
@@ -3384,7 +3390,7 @@
         </p:nvSpPr>
         <p:spPr>
           <a:xfrm>
-            <a:off x="698808" y="1944032"/>
+            <a:off x="669447" y="3001044"/>
             <a:ext cx="1237784" cy="468351"/>
           </a:xfrm>
           <a:prstGeom prst="roundRect">
@@ -3434,7 +3440,7 @@
         </p:nvSpPr>
         <p:spPr>
           <a:xfrm>
-            <a:off x="698807" y="2756211"/>
+            <a:off x="669446" y="3813223"/>
             <a:ext cx="1237783" cy="468351"/>
           </a:xfrm>
           <a:prstGeom prst="roundRect">
@@ -3483,7 +3489,7 @@
         </p:nvSpPr>
         <p:spPr>
           <a:xfrm>
-            <a:off x="698804" y="3568390"/>
+            <a:off x="669443" y="4625402"/>
             <a:ext cx="1237785" cy="468351"/>
           </a:xfrm>
           <a:prstGeom prst="roundRect">
@@ -3532,7 +3538,7 @@
         </p:nvSpPr>
         <p:spPr>
           <a:xfrm>
-            <a:off x="698804" y="4380569"/>
+            <a:off x="669443" y="5437581"/>
             <a:ext cx="1237785" cy="468351"/>
           </a:xfrm>
           <a:prstGeom prst="roundRect">
@@ -3581,7 +3587,7 @@
         </p:nvSpPr>
         <p:spPr>
           <a:xfrm>
-            <a:off x="4847063" y="2821258"/>
+            <a:off x="4817702" y="3878270"/>
             <a:ext cx="2497874" cy="1215483"/>
           </a:xfrm>
           <a:prstGeom prst="roundRect">
@@ -3666,7 +3672,7 @@
         </p:nvCxnSpPr>
         <p:spPr>
           <a:xfrm>
-            <a:off x="1936592" y="2178208"/>
+            <a:off x="1907231" y="3235220"/>
             <a:ext cx="847494" cy="1250792"/>
           </a:xfrm>
           <a:prstGeom prst="line">
@@ -3705,7 +3711,7 @@
         </p:nvCxnSpPr>
         <p:spPr>
           <a:xfrm>
-            <a:off x="1936590" y="2990387"/>
+            <a:off x="1907229" y="4047399"/>
             <a:ext cx="847496" cy="438613"/>
           </a:xfrm>
           <a:prstGeom prst="line">
@@ -3744,7 +3750,7 @@
         </p:nvCxnSpPr>
         <p:spPr>
           <a:xfrm flipV="1">
-            <a:off x="1936589" y="3429000"/>
+            <a:off x="1907228" y="4486012"/>
             <a:ext cx="847497" cy="373566"/>
           </a:xfrm>
           <a:prstGeom prst="line">
@@ -3783,7 +3789,7 @@
         </p:nvCxnSpPr>
         <p:spPr>
           <a:xfrm flipV="1">
-            <a:off x="1936589" y="3429000"/>
+            <a:off x="1907228" y="4486012"/>
             <a:ext cx="847497" cy="1185745"/>
           </a:xfrm>
           <a:prstGeom prst="line">
@@ -3823,7 +3829,7 @@
         </p:nvCxnSpPr>
         <p:spPr>
           <a:xfrm>
-            <a:off x="3999569" y="3429000"/>
+            <a:off x="3970208" y="4486012"/>
             <a:ext cx="847494" cy="0"/>
           </a:xfrm>
           <a:prstGeom prst="line">
@@ -3859,7 +3865,7 @@
         </p:nvSpPr>
         <p:spPr>
           <a:xfrm>
-            <a:off x="2750634" y="4096218"/>
+            <a:off x="2721273" y="5153230"/>
             <a:ext cx="1215483" cy="583573"/>
           </a:xfrm>
           <a:prstGeom prst="roundRect">
@@ -4065,10 +4071,911 @@
           </a:p>
         </p:txBody>
       </p:sp>
+      <p:sp>
+        <p:nvSpPr>
+          <p:cNvPr id="2" name="Titre 1">
+            <a:extLst>
+              <a:ext uri="{FF2B5EF4-FFF2-40B4-BE49-F238E27FC236}">
+                <a16:creationId xmlns:a16="http://schemas.microsoft.com/office/drawing/2014/main" id="{B661EBCD-584E-0F04-FC84-C7C20A54B2DB}"/>
+              </a:ext>
+            </a:extLst>
+          </p:cNvPr>
+          <p:cNvSpPr>
+            <a:spLocks noGrp="1"/>
+          </p:cNvSpPr>
+          <p:nvPr>
+            <p:ph type="title"/>
+          </p:nvPr>
+        </p:nvSpPr>
+        <p:spPr>
+          <a:xfrm>
+            <a:off x="838200" y="365125"/>
+            <a:ext cx="7328483" cy="1325563"/>
+          </a:xfrm>
+        </p:spPr>
+        <p:txBody>
+          <a:bodyPr/>
+          <a:lstStyle/>
+          <a:p>
+            <a:r>
+              <a:rPr lang="fr-FR" dirty="0"/>
+              <a:t>PRESENTATION PROJET</a:t>
+            </a:r>
+          </a:p>
+        </p:txBody>
+      </p:sp>
     </p:spTree>
     <p:extLst>
       <p:ext uri="{BB962C8B-B14F-4D97-AF65-F5344CB8AC3E}">
         <p14:creationId xmlns:p14="http://schemas.microsoft.com/office/powerpoint/2010/main" val="753471797"/>
+      </p:ext>
+    </p:extLst>
+  </p:cSld>
+  <p:clrMapOvr>
+    <a:masterClrMapping/>
+  </p:clrMapOvr>
+</p:sld>
+</file>
+
+<file path=ppt/slides/slide2.xml><?xml version="1.0" encoding="utf-8"?>
+<p:sld xmlns:a="http://schemas.openxmlformats.org/drawingml/2006/main" xmlns:r="http://schemas.openxmlformats.org/officeDocument/2006/relationships" xmlns:p="http://schemas.openxmlformats.org/presentationml/2006/main">
+  <p:cSld>
+    <p:spTree>
+      <p:nvGrpSpPr>
+        <p:cNvPr id="1" name=""/>
+        <p:cNvGrpSpPr/>
+        <p:nvPr/>
+      </p:nvGrpSpPr>
+      <p:grpSpPr>
+        <a:xfrm>
+          <a:off x="0" y="0"/>
+          <a:ext cx="0" cy="0"/>
+          <a:chOff x="0" y="0"/>
+          <a:chExt cx="0" cy="0"/>
+        </a:xfrm>
+      </p:grpSpPr>
+      <p:sp>
+        <p:nvSpPr>
+          <p:cNvPr id="2" name="Titre 1">
+            <a:extLst>
+              <a:ext uri="{FF2B5EF4-FFF2-40B4-BE49-F238E27FC236}">
+                <a16:creationId xmlns:a16="http://schemas.microsoft.com/office/drawing/2014/main" id="{FC5EEAE3-A1A1-7A2F-6ABB-54C4C6926DA3}"/>
+              </a:ext>
+            </a:extLst>
+          </p:cNvPr>
+          <p:cNvSpPr>
+            <a:spLocks noGrp="1"/>
+          </p:cNvSpPr>
+          <p:nvPr>
+            <p:ph type="title"/>
+          </p:nvPr>
+        </p:nvSpPr>
+        <p:spPr/>
+        <p:txBody>
+          <a:bodyPr/>
+          <a:lstStyle/>
+          <a:p>
+            <a:r>
+              <a:rPr lang="fr-FR" dirty="0"/>
+              <a:t>APPLICATION WEB</a:t>
+            </a:r>
+          </a:p>
+        </p:txBody>
+      </p:sp>
+      <p:sp>
+        <p:nvSpPr>
+          <p:cNvPr id="4" name="Rectangle 3">
+            <a:extLst>
+              <a:ext uri="{FF2B5EF4-FFF2-40B4-BE49-F238E27FC236}">
+                <a16:creationId xmlns:a16="http://schemas.microsoft.com/office/drawing/2014/main" id="{74F742F9-A993-34AE-183E-54F6E2229285}"/>
+              </a:ext>
+            </a:extLst>
+          </p:cNvPr>
+          <p:cNvSpPr/>
+          <p:nvPr/>
+        </p:nvSpPr>
+        <p:spPr>
+          <a:xfrm>
+            <a:off x="910206" y="3137483"/>
+            <a:ext cx="1912689" cy="1405156"/>
+          </a:xfrm>
+          <a:prstGeom prst="rect">
+            <a:avLst/>
+          </a:prstGeom>
+        </p:spPr>
+        <p:style>
+          <a:lnRef idx="2">
+            <a:schemeClr val="accent1">
+              <a:shade val="15000"/>
+            </a:schemeClr>
+          </a:lnRef>
+          <a:fillRef idx="1">
+            <a:schemeClr val="accent1"/>
+          </a:fillRef>
+          <a:effectRef idx="0">
+            <a:schemeClr val="accent1"/>
+          </a:effectRef>
+          <a:fontRef idx="minor">
+            <a:schemeClr val="lt1"/>
+          </a:fontRef>
+        </p:style>
+        <p:txBody>
+          <a:bodyPr rtlCol="0" anchor="t"/>
+          <a:lstStyle/>
+          <a:p>
+            <a:pPr algn="ctr"/>
+            <a:r>
+              <a:rPr lang="fr-FR" dirty="0"/>
+              <a:t>Serveur</a:t>
+            </a:r>
+          </a:p>
+          <a:p>
+            <a:pPr algn="ctr"/>
+            <a:endParaRPr lang="fr-FR" dirty="0"/>
+          </a:p>
+          <a:p>
+            <a:pPr algn="ctr"/>
+            <a:r>
+              <a:rPr lang="fr-FR" b="1" dirty="0"/>
+              <a:t>APPLICATION</a:t>
+            </a:r>
+          </a:p>
+        </p:txBody>
+      </p:sp>
+      <p:sp>
+        <p:nvSpPr>
+          <p:cNvPr id="5" name="Rectangle 4">
+            <a:extLst>
+              <a:ext uri="{FF2B5EF4-FFF2-40B4-BE49-F238E27FC236}">
+                <a16:creationId xmlns:a16="http://schemas.microsoft.com/office/drawing/2014/main" id="{1F933EF6-CA58-C775-8E5C-57FF017FDE7A}"/>
+              </a:ext>
+            </a:extLst>
+          </p:cNvPr>
+          <p:cNvSpPr/>
+          <p:nvPr/>
+        </p:nvSpPr>
+        <p:spPr>
+          <a:xfrm>
+            <a:off x="4148359" y="3137483"/>
+            <a:ext cx="1367408" cy="1405156"/>
+          </a:xfrm>
+          <a:prstGeom prst="rect">
+            <a:avLst/>
+          </a:prstGeom>
+        </p:spPr>
+        <p:style>
+          <a:lnRef idx="2">
+            <a:schemeClr val="accent1">
+              <a:shade val="15000"/>
+            </a:schemeClr>
+          </a:lnRef>
+          <a:fillRef idx="1">
+            <a:schemeClr val="accent1"/>
+          </a:fillRef>
+          <a:effectRef idx="0">
+            <a:schemeClr val="accent1"/>
+          </a:effectRef>
+          <a:fontRef idx="minor">
+            <a:schemeClr val="lt1"/>
+          </a:fontRef>
+        </p:style>
+        <p:txBody>
+          <a:bodyPr rtlCol="0" anchor="ctr"/>
+          <a:lstStyle/>
+          <a:p>
+            <a:pPr algn="ctr"/>
+            <a:r>
+              <a:rPr lang="fr-FR" dirty="0"/>
+              <a:t>Client</a:t>
+            </a:r>
+          </a:p>
+        </p:txBody>
+      </p:sp>
+      <p:sp>
+        <p:nvSpPr>
+          <p:cNvPr id="6" name="Rectangle 5">
+            <a:extLst>
+              <a:ext uri="{FF2B5EF4-FFF2-40B4-BE49-F238E27FC236}">
+                <a16:creationId xmlns:a16="http://schemas.microsoft.com/office/drawing/2014/main" id="{D74AB40A-08F3-4B5C-AB01-4D5D7F61C5FD}"/>
+              </a:ext>
+            </a:extLst>
+          </p:cNvPr>
+          <p:cNvSpPr/>
+          <p:nvPr/>
+        </p:nvSpPr>
+        <p:spPr>
+          <a:xfrm>
+            <a:off x="8043645" y="1407712"/>
+            <a:ext cx="1912689" cy="565951"/>
+          </a:xfrm>
+          <a:prstGeom prst="rect">
+            <a:avLst/>
+          </a:prstGeom>
+        </p:spPr>
+        <p:style>
+          <a:lnRef idx="2">
+            <a:schemeClr val="accent1">
+              <a:shade val="15000"/>
+            </a:schemeClr>
+          </a:lnRef>
+          <a:fillRef idx="1">
+            <a:schemeClr val="accent1"/>
+          </a:fillRef>
+          <a:effectRef idx="0">
+            <a:schemeClr val="accent1"/>
+          </a:effectRef>
+          <a:fontRef idx="minor">
+            <a:schemeClr val="lt1"/>
+          </a:fontRef>
+        </p:style>
+        <p:txBody>
+          <a:bodyPr rtlCol="0" anchor="ctr"/>
+          <a:lstStyle/>
+          <a:p>
+            <a:pPr algn="ctr"/>
+            <a:r>
+              <a:rPr lang="fr-FR" dirty="0"/>
+              <a:t>Objet connecté</a:t>
+            </a:r>
+          </a:p>
+        </p:txBody>
+      </p:sp>
+      <p:sp>
+        <p:nvSpPr>
+          <p:cNvPr id="7" name="Rectangle 6">
+            <a:extLst>
+              <a:ext uri="{FF2B5EF4-FFF2-40B4-BE49-F238E27FC236}">
+                <a16:creationId xmlns:a16="http://schemas.microsoft.com/office/drawing/2014/main" id="{62910F7D-9331-BE96-6F44-6DB47299D499}"/>
+              </a:ext>
+            </a:extLst>
+          </p:cNvPr>
+          <p:cNvSpPr/>
+          <p:nvPr/>
+        </p:nvSpPr>
+        <p:spPr>
+          <a:xfrm>
+            <a:off x="8043644" y="2055063"/>
+            <a:ext cx="1912689" cy="565951"/>
+          </a:xfrm>
+          <a:prstGeom prst="rect">
+            <a:avLst/>
+          </a:prstGeom>
+        </p:spPr>
+        <p:style>
+          <a:lnRef idx="2">
+            <a:schemeClr val="accent1">
+              <a:shade val="15000"/>
+            </a:schemeClr>
+          </a:lnRef>
+          <a:fillRef idx="1">
+            <a:schemeClr val="accent1"/>
+          </a:fillRef>
+          <a:effectRef idx="0">
+            <a:schemeClr val="accent1"/>
+          </a:effectRef>
+          <a:fontRef idx="minor">
+            <a:schemeClr val="lt1"/>
+          </a:fontRef>
+        </p:style>
+        <p:txBody>
+          <a:bodyPr rtlCol="0" anchor="ctr"/>
+          <a:lstStyle/>
+          <a:p>
+            <a:pPr algn="ctr"/>
+            <a:r>
+              <a:rPr lang="fr-FR" dirty="0"/>
+              <a:t>Objet connecté</a:t>
+            </a:r>
+          </a:p>
+        </p:txBody>
+      </p:sp>
+      <p:sp>
+        <p:nvSpPr>
+          <p:cNvPr id="8" name="Rectangle 7">
+            <a:extLst>
+              <a:ext uri="{FF2B5EF4-FFF2-40B4-BE49-F238E27FC236}">
+                <a16:creationId xmlns:a16="http://schemas.microsoft.com/office/drawing/2014/main" id="{19FD2E3B-2FE1-06CE-C31A-5FCCF7116C97}"/>
+              </a:ext>
+            </a:extLst>
+          </p:cNvPr>
+          <p:cNvSpPr/>
+          <p:nvPr/>
+        </p:nvSpPr>
+        <p:spPr>
+          <a:xfrm>
+            <a:off x="8043643" y="2702414"/>
+            <a:ext cx="1912689" cy="565951"/>
+          </a:xfrm>
+          <a:prstGeom prst="rect">
+            <a:avLst/>
+          </a:prstGeom>
+        </p:spPr>
+        <p:style>
+          <a:lnRef idx="2">
+            <a:schemeClr val="accent1">
+              <a:shade val="15000"/>
+            </a:schemeClr>
+          </a:lnRef>
+          <a:fillRef idx="1">
+            <a:schemeClr val="accent1"/>
+          </a:fillRef>
+          <a:effectRef idx="0">
+            <a:schemeClr val="accent1"/>
+          </a:effectRef>
+          <a:fontRef idx="minor">
+            <a:schemeClr val="lt1"/>
+          </a:fontRef>
+        </p:style>
+        <p:txBody>
+          <a:bodyPr rtlCol="0" anchor="ctr"/>
+          <a:lstStyle/>
+          <a:p>
+            <a:pPr algn="ctr"/>
+            <a:r>
+              <a:rPr lang="fr-FR" dirty="0"/>
+              <a:t>Objet connecté</a:t>
+            </a:r>
+          </a:p>
+        </p:txBody>
+      </p:sp>
+      <p:sp>
+        <p:nvSpPr>
+          <p:cNvPr id="9" name="Rectangle 8">
+            <a:extLst>
+              <a:ext uri="{FF2B5EF4-FFF2-40B4-BE49-F238E27FC236}">
+                <a16:creationId xmlns:a16="http://schemas.microsoft.com/office/drawing/2014/main" id="{50BC5854-24C4-B37C-5437-2B5E33598137}"/>
+              </a:ext>
+            </a:extLst>
+          </p:cNvPr>
+          <p:cNvSpPr/>
+          <p:nvPr/>
+        </p:nvSpPr>
+        <p:spPr>
+          <a:xfrm>
+            <a:off x="5719891" y="3137483"/>
+            <a:ext cx="1159082" cy="1405156"/>
+          </a:xfrm>
+          <a:prstGeom prst="rect">
+            <a:avLst/>
+          </a:prstGeom>
+        </p:spPr>
+        <p:style>
+          <a:lnRef idx="2">
+            <a:schemeClr val="accent1">
+              <a:shade val="15000"/>
+            </a:schemeClr>
+          </a:lnRef>
+          <a:fillRef idx="1">
+            <a:schemeClr val="accent1"/>
+          </a:fillRef>
+          <a:effectRef idx="0">
+            <a:schemeClr val="accent1"/>
+          </a:effectRef>
+          <a:fontRef idx="minor">
+            <a:schemeClr val="lt1"/>
+          </a:fontRef>
+        </p:style>
+        <p:txBody>
+          <a:bodyPr rtlCol="0" anchor="ctr"/>
+          <a:lstStyle/>
+          <a:p>
+            <a:pPr algn="ctr"/>
+            <a:r>
+              <a:rPr lang="fr-FR" dirty="0"/>
+              <a:t>Passerelle</a:t>
+            </a:r>
+          </a:p>
+        </p:txBody>
+      </p:sp>
+      <p:sp>
+        <p:nvSpPr>
+          <p:cNvPr id="10" name="Rectangle 9">
+            <a:extLst>
+              <a:ext uri="{FF2B5EF4-FFF2-40B4-BE49-F238E27FC236}">
+                <a16:creationId xmlns:a16="http://schemas.microsoft.com/office/drawing/2014/main" id="{719D48E0-C03A-524B-1157-FE587E14518A}"/>
+              </a:ext>
+            </a:extLst>
+          </p:cNvPr>
+          <p:cNvSpPr/>
+          <p:nvPr/>
+        </p:nvSpPr>
+        <p:spPr>
+          <a:xfrm>
+            <a:off x="8043645" y="3934197"/>
+            <a:ext cx="1912689" cy="565951"/>
+          </a:xfrm>
+          <a:prstGeom prst="rect">
+            <a:avLst/>
+          </a:prstGeom>
+        </p:spPr>
+        <p:style>
+          <a:lnRef idx="2">
+            <a:schemeClr val="accent1">
+              <a:shade val="15000"/>
+            </a:schemeClr>
+          </a:lnRef>
+          <a:fillRef idx="1">
+            <a:schemeClr val="accent1"/>
+          </a:fillRef>
+          <a:effectRef idx="0">
+            <a:schemeClr val="accent1"/>
+          </a:effectRef>
+          <a:fontRef idx="minor">
+            <a:schemeClr val="lt1"/>
+          </a:fontRef>
+        </p:style>
+        <p:txBody>
+          <a:bodyPr rtlCol="0" anchor="ctr"/>
+          <a:lstStyle/>
+          <a:p>
+            <a:pPr algn="ctr"/>
+            <a:r>
+              <a:rPr lang="fr-FR" dirty="0"/>
+              <a:t>Objet connecté</a:t>
+            </a:r>
+          </a:p>
+        </p:txBody>
+      </p:sp>
+      <p:sp>
+        <p:nvSpPr>
+          <p:cNvPr id="11" name="Rectangle 10">
+            <a:extLst>
+              <a:ext uri="{FF2B5EF4-FFF2-40B4-BE49-F238E27FC236}">
+                <a16:creationId xmlns:a16="http://schemas.microsoft.com/office/drawing/2014/main" id="{4F353A4A-E5E1-A177-E121-29CA602D8998}"/>
+              </a:ext>
+            </a:extLst>
+          </p:cNvPr>
+          <p:cNvSpPr/>
+          <p:nvPr/>
+        </p:nvSpPr>
+        <p:spPr>
+          <a:xfrm>
+            <a:off x="8043644" y="4581548"/>
+            <a:ext cx="1912689" cy="565951"/>
+          </a:xfrm>
+          <a:prstGeom prst="rect">
+            <a:avLst/>
+          </a:prstGeom>
+        </p:spPr>
+        <p:style>
+          <a:lnRef idx="2">
+            <a:schemeClr val="accent1">
+              <a:shade val="15000"/>
+            </a:schemeClr>
+          </a:lnRef>
+          <a:fillRef idx="1">
+            <a:schemeClr val="accent1"/>
+          </a:fillRef>
+          <a:effectRef idx="0">
+            <a:schemeClr val="accent1"/>
+          </a:effectRef>
+          <a:fontRef idx="minor">
+            <a:schemeClr val="lt1"/>
+          </a:fontRef>
+        </p:style>
+        <p:txBody>
+          <a:bodyPr rtlCol="0" anchor="ctr"/>
+          <a:lstStyle/>
+          <a:p>
+            <a:pPr algn="ctr"/>
+            <a:r>
+              <a:rPr lang="fr-FR" dirty="0"/>
+              <a:t>Objet connecté</a:t>
+            </a:r>
+          </a:p>
+        </p:txBody>
+      </p:sp>
+      <p:sp>
+        <p:nvSpPr>
+          <p:cNvPr id="12" name="Rectangle 11">
+            <a:extLst>
+              <a:ext uri="{FF2B5EF4-FFF2-40B4-BE49-F238E27FC236}">
+                <a16:creationId xmlns:a16="http://schemas.microsoft.com/office/drawing/2014/main" id="{FAF912C1-8F38-98CB-24F3-63701D087B27}"/>
+              </a:ext>
+            </a:extLst>
+          </p:cNvPr>
+          <p:cNvSpPr/>
+          <p:nvPr/>
+        </p:nvSpPr>
+        <p:spPr>
+          <a:xfrm>
+            <a:off x="8043643" y="5228899"/>
+            <a:ext cx="1912689" cy="565951"/>
+          </a:xfrm>
+          <a:prstGeom prst="rect">
+            <a:avLst/>
+          </a:prstGeom>
+        </p:spPr>
+        <p:style>
+          <a:lnRef idx="2">
+            <a:schemeClr val="accent1">
+              <a:shade val="15000"/>
+            </a:schemeClr>
+          </a:lnRef>
+          <a:fillRef idx="1">
+            <a:schemeClr val="accent1"/>
+          </a:fillRef>
+          <a:effectRef idx="0">
+            <a:schemeClr val="accent1"/>
+          </a:effectRef>
+          <a:fontRef idx="minor">
+            <a:schemeClr val="lt1"/>
+          </a:fontRef>
+        </p:style>
+        <p:txBody>
+          <a:bodyPr rtlCol="0" anchor="ctr"/>
+          <a:lstStyle/>
+          <a:p>
+            <a:pPr algn="ctr"/>
+            <a:r>
+              <a:rPr lang="fr-FR" dirty="0"/>
+              <a:t>Objet connecté</a:t>
+            </a:r>
+          </a:p>
+        </p:txBody>
+      </p:sp>
+      <p:sp>
+        <p:nvSpPr>
+          <p:cNvPr id="13" name="Rectangle 12">
+            <a:extLst>
+              <a:ext uri="{FF2B5EF4-FFF2-40B4-BE49-F238E27FC236}">
+                <a16:creationId xmlns:a16="http://schemas.microsoft.com/office/drawing/2014/main" id="{6B0F0464-65A3-6EF0-5BB8-C434323F7D9E}"/>
+              </a:ext>
+            </a:extLst>
+          </p:cNvPr>
+          <p:cNvSpPr/>
+          <p:nvPr/>
+        </p:nvSpPr>
+        <p:spPr>
+          <a:xfrm>
+            <a:off x="3967993" y="2361501"/>
+            <a:ext cx="3204594" cy="2520892"/>
+          </a:xfrm>
+          <a:prstGeom prst="rect">
+            <a:avLst/>
+          </a:prstGeom>
+          <a:noFill/>
+          <a:ln w="9525" cap="flat" cmpd="sng" algn="ctr">
+            <a:solidFill>
+              <a:schemeClr val="accent1"/>
+            </a:solidFill>
+            <a:prstDash val="solid"/>
+            <a:round/>
+            <a:headEnd type="none" w="med" len="med"/>
+            <a:tailEnd type="none" w="med" len="med"/>
+          </a:ln>
+        </p:spPr>
+        <p:style>
+          <a:lnRef idx="0">
+            <a:scrgbClr r="0" g="0" b="0"/>
+          </a:lnRef>
+          <a:fillRef idx="0">
+            <a:scrgbClr r="0" g="0" b="0"/>
+          </a:fillRef>
+          <a:effectRef idx="0">
+            <a:scrgbClr r="0" g="0" b="0"/>
+          </a:effectRef>
+          <a:fontRef idx="minor">
+            <a:schemeClr val="accent1"/>
+          </a:fontRef>
+        </p:style>
+        <p:txBody>
+          <a:bodyPr rtlCol="0" anchor="t"/>
+          <a:lstStyle/>
+          <a:p>
+            <a:pPr algn="ctr"/>
+            <a:r>
+              <a:rPr lang="fr-FR" dirty="0"/>
+              <a:t>Raspberry PI 4</a:t>
+            </a:r>
+          </a:p>
+        </p:txBody>
+      </p:sp>
+      <p:sp>
+        <p:nvSpPr>
+          <p:cNvPr id="14" name="Rectangle 13">
+            <a:extLst>
+              <a:ext uri="{FF2B5EF4-FFF2-40B4-BE49-F238E27FC236}">
+                <a16:creationId xmlns:a16="http://schemas.microsoft.com/office/drawing/2014/main" id="{33583AFC-C462-11D8-3328-EF2BEBF71227}"/>
+              </a:ext>
+            </a:extLst>
+          </p:cNvPr>
+          <p:cNvSpPr/>
+          <p:nvPr/>
+        </p:nvSpPr>
+        <p:spPr>
+          <a:xfrm>
+            <a:off x="366320" y="2366002"/>
+            <a:ext cx="3204594" cy="2520892"/>
+          </a:xfrm>
+          <a:prstGeom prst="rect">
+            <a:avLst/>
+          </a:prstGeom>
+          <a:noFill/>
+          <a:ln w="9525" cap="flat" cmpd="sng" algn="ctr">
+            <a:solidFill>
+              <a:schemeClr val="accent1"/>
+            </a:solidFill>
+            <a:prstDash val="solid"/>
+            <a:round/>
+            <a:headEnd type="none" w="med" len="med"/>
+            <a:tailEnd type="none" w="med" len="med"/>
+          </a:ln>
+        </p:spPr>
+        <p:style>
+          <a:lnRef idx="0">
+            <a:scrgbClr r="0" g="0" b="0"/>
+          </a:lnRef>
+          <a:fillRef idx="0">
+            <a:scrgbClr r="0" g="0" b="0"/>
+          </a:fillRef>
+          <a:effectRef idx="0">
+            <a:scrgbClr r="0" g="0" b="0"/>
+          </a:effectRef>
+          <a:fontRef idx="minor">
+            <a:schemeClr val="accent1"/>
+          </a:fontRef>
+        </p:style>
+        <p:txBody>
+          <a:bodyPr rtlCol="0" anchor="t"/>
+          <a:lstStyle/>
+          <a:p>
+            <a:pPr algn="ctr"/>
+            <a:r>
+              <a:rPr lang="fr-FR" dirty="0"/>
+              <a:t>Raspberry PI 4</a:t>
+            </a:r>
+          </a:p>
+        </p:txBody>
+      </p:sp>
+      <p:sp>
+        <p:nvSpPr>
+          <p:cNvPr id="15" name="Rectangle 14">
+            <a:extLst>
+              <a:ext uri="{FF2B5EF4-FFF2-40B4-BE49-F238E27FC236}">
+                <a16:creationId xmlns:a16="http://schemas.microsoft.com/office/drawing/2014/main" id="{6C14BF83-4382-E852-6267-1927DEBEBCF1}"/>
+              </a:ext>
+            </a:extLst>
+          </p:cNvPr>
+          <p:cNvSpPr/>
+          <p:nvPr/>
+        </p:nvSpPr>
+        <p:spPr>
+          <a:xfrm>
+            <a:off x="7798966" y="3495413"/>
+            <a:ext cx="2460770" cy="2520892"/>
+          </a:xfrm>
+          <a:prstGeom prst="rect">
+            <a:avLst/>
+          </a:prstGeom>
+          <a:noFill/>
+          <a:ln w="9525" cap="flat" cmpd="sng" algn="ctr">
+            <a:solidFill>
+              <a:schemeClr val="accent1"/>
+            </a:solidFill>
+            <a:prstDash val="solid"/>
+            <a:round/>
+            <a:headEnd type="none" w="med" len="med"/>
+            <a:tailEnd type="none" w="med" len="med"/>
+          </a:ln>
+        </p:spPr>
+        <p:style>
+          <a:lnRef idx="0">
+            <a:scrgbClr r="0" g="0" b="0"/>
+          </a:lnRef>
+          <a:fillRef idx="0">
+            <a:scrgbClr r="0" g="0" b="0"/>
+          </a:fillRef>
+          <a:effectRef idx="0">
+            <a:scrgbClr r="0" g="0" b="0"/>
+          </a:effectRef>
+          <a:fontRef idx="minor">
+            <a:schemeClr val="accent1"/>
+          </a:fontRef>
+        </p:style>
+        <p:txBody>
+          <a:bodyPr rtlCol="0" anchor="t"/>
+          <a:lstStyle/>
+          <a:p>
+            <a:pPr algn="ctr"/>
+            <a:r>
+              <a:rPr lang="fr-FR" dirty="0" err="1"/>
+              <a:t>Zigbee</a:t>
+            </a:r>
+            <a:endParaRPr lang="fr-FR" dirty="0"/>
+          </a:p>
+        </p:txBody>
+      </p:sp>
+      <p:sp>
+        <p:nvSpPr>
+          <p:cNvPr id="16" name="Rectangle 15">
+            <a:extLst>
+              <a:ext uri="{FF2B5EF4-FFF2-40B4-BE49-F238E27FC236}">
+                <a16:creationId xmlns:a16="http://schemas.microsoft.com/office/drawing/2014/main" id="{4B8E5CF8-DCEE-0EF6-1C0D-936C34F4FD30}"/>
+              </a:ext>
+            </a:extLst>
+          </p:cNvPr>
+          <p:cNvSpPr/>
+          <p:nvPr/>
+        </p:nvSpPr>
+        <p:spPr>
+          <a:xfrm>
+            <a:off x="7809452" y="893121"/>
+            <a:ext cx="2460770" cy="2520892"/>
+          </a:xfrm>
+          <a:prstGeom prst="rect">
+            <a:avLst/>
+          </a:prstGeom>
+          <a:noFill/>
+          <a:ln w="9525" cap="flat" cmpd="sng" algn="ctr">
+            <a:solidFill>
+              <a:schemeClr val="accent1"/>
+            </a:solidFill>
+            <a:prstDash val="solid"/>
+            <a:round/>
+            <a:headEnd type="none" w="med" len="med"/>
+            <a:tailEnd type="none" w="med" len="med"/>
+          </a:ln>
+        </p:spPr>
+        <p:style>
+          <a:lnRef idx="0">
+            <a:scrgbClr r="0" g="0" b="0"/>
+          </a:lnRef>
+          <a:fillRef idx="0">
+            <a:scrgbClr r="0" g="0" b="0"/>
+          </a:fillRef>
+          <a:effectRef idx="0">
+            <a:scrgbClr r="0" g="0" b="0"/>
+          </a:effectRef>
+          <a:fontRef idx="minor">
+            <a:schemeClr val="accent1"/>
+          </a:fontRef>
+        </p:style>
+        <p:txBody>
+          <a:bodyPr rtlCol="0" anchor="t"/>
+          <a:lstStyle/>
+          <a:p>
+            <a:pPr algn="ctr"/>
+            <a:r>
+              <a:rPr lang="fr-FR" dirty="0"/>
+              <a:t>Autres protocoles</a:t>
+            </a:r>
+          </a:p>
+        </p:txBody>
+      </p:sp>
+      <p:cxnSp>
+        <p:nvCxnSpPr>
+          <p:cNvPr id="18" name="Connecteur droit avec flèche 17">
+            <a:extLst>
+              <a:ext uri="{FF2B5EF4-FFF2-40B4-BE49-F238E27FC236}">
+                <a16:creationId xmlns:a16="http://schemas.microsoft.com/office/drawing/2014/main" id="{C4131660-9641-D247-13DD-ACA3BB20C6EC}"/>
+              </a:ext>
+            </a:extLst>
+          </p:cNvPr>
+          <p:cNvCxnSpPr>
+            <a:stCxn id="16" idx="1"/>
+            <a:endCxn id="5" idx="0"/>
+          </p:cNvCxnSpPr>
+          <p:nvPr/>
+        </p:nvCxnSpPr>
+        <p:spPr>
+          <a:xfrm flipH="1">
+            <a:off x="4832063" y="2153567"/>
+            <a:ext cx="2977389" cy="983916"/>
+          </a:xfrm>
+          <a:prstGeom prst="straightConnector1">
+            <a:avLst/>
+          </a:prstGeom>
+          <a:ln>
+            <a:headEnd type="triangle"/>
+            <a:tailEnd type="triangle"/>
+          </a:ln>
+        </p:spPr>
+        <p:style>
+          <a:lnRef idx="1">
+            <a:schemeClr val="accent1"/>
+          </a:lnRef>
+          <a:fillRef idx="0">
+            <a:schemeClr val="accent1"/>
+          </a:fillRef>
+          <a:effectRef idx="0">
+            <a:schemeClr val="accent1"/>
+          </a:effectRef>
+          <a:fontRef idx="minor">
+            <a:schemeClr val="tx1"/>
+          </a:fontRef>
+        </p:style>
+      </p:cxnSp>
+      <p:cxnSp>
+        <p:nvCxnSpPr>
+          <p:cNvPr id="20" name="Connecteur droit avec flèche 19">
+            <a:extLst>
+              <a:ext uri="{FF2B5EF4-FFF2-40B4-BE49-F238E27FC236}">
+                <a16:creationId xmlns:a16="http://schemas.microsoft.com/office/drawing/2014/main" id="{0E4D8ED8-5155-8774-836A-08B550ED1028}"/>
+              </a:ext>
+            </a:extLst>
+          </p:cNvPr>
+          <p:cNvCxnSpPr>
+            <a:stCxn id="15" idx="1"/>
+            <a:endCxn id="9" idx="3"/>
+          </p:cNvCxnSpPr>
+          <p:nvPr/>
+        </p:nvCxnSpPr>
+        <p:spPr>
+          <a:xfrm flipH="1" flipV="1">
+            <a:off x="6878973" y="3840061"/>
+            <a:ext cx="919993" cy="915798"/>
+          </a:xfrm>
+          <a:prstGeom prst="straightConnector1">
+            <a:avLst/>
+          </a:prstGeom>
+          <a:ln>
+            <a:headEnd type="triangle"/>
+            <a:tailEnd type="triangle"/>
+          </a:ln>
+        </p:spPr>
+        <p:style>
+          <a:lnRef idx="1">
+            <a:schemeClr val="accent1"/>
+          </a:lnRef>
+          <a:fillRef idx="0">
+            <a:schemeClr val="accent1"/>
+          </a:fillRef>
+          <a:effectRef idx="0">
+            <a:schemeClr val="accent1"/>
+          </a:effectRef>
+          <a:fontRef idx="minor">
+            <a:schemeClr val="tx1"/>
+          </a:fontRef>
+        </p:style>
+      </p:cxnSp>
+      <p:cxnSp>
+        <p:nvCxnSpPr>
+          <p:cNvPr id="22" name="Connecteur droit avec flèche 21">
+            <a:extLst>
+              <a:ext uri="{FF2B5EF4-FFF2-40B4-BE49-F238E27FC236}">
+                <a16:creationId xmlns:a16="http://schemas.microsoft.com/office/drawing/2014/main" id="{4A13ED9F-2321-3F2F-03A2-46B5982F3F04}"/>
+              </a:ext>
+            </a:extLst>
+          </p:cNvPr>
+          <p:cNvCxnSpPr>
+            <a:stCxn id="14" idx="3"/>
+            <a:endCxn id="13" idx="1"/>
+          </p:cNvCxnSpPr>
+          <p:nvPr/>
+        </p:nvCxnSpPr>
+        <p:spPr>
+          <a:xfrm flipV="1">
+            <a:off x="3570914" y="3621947"/>
+            <a:ext cx="397079" cy="4501"/>
+          </a:xfrm>
+          <a:prstGeom prst="straightConnector1">
+            <a:avLst/>
+          </a:prstGeom>
+          <a:ln>
+            <a:headEnd type="triangle"/>
+            <a:tailEnd type="triangle"/>
+          </a:ln>
+        </p:spPr>
+        <p:style>
+          <a:lnRef idx="1">
+            <a:schemeClr val="accent1"/>
+          </a:lnRef>
+          <a:fillRef idx="0">
+            <a:schemeClr val="accent1"/>
+          </a:fillRef>
+          <a:effectRef idx="0">
+            <a:schemeClr val="accent1"/>
+          </a:effectRef>
+          <a:fontRef idx="minor">
+            <a:schemeClr val="tx1"/>
+          </a:fontRef>
+        </p:style>
+      </p:cxnSp>
+    </p:spTree>
+    <p:extLst>
+      <p:ext uri="{BB962C8B-B14F-4D97-AF65-F5344CB8AC3E}">
+        <p14:creationId xmlns:p14="http://schemas.microsoft.com/office/powerpoint/2010/main" val="2328147237"/>
       </p:ext>
     </p:extLst>
   </p:cSld>
